--- a/docs/catered services.pptx
+++ b/docs/catered services.pptx
@@ -104,6 +104,11 @@
       </a:defRPr>
     </a:lvl9pPr>
   </p:defaultTextStyle>
+  <p:extLst>
+    <p:ext uri="{EFAFB233-063F-42B5-8137-9DF3F51BA10A}">
+      <p15:sldGuideLst xmlns:p15="http://schemas.microsoft.com/office/powerpoint/2012/main"/>
+    </p:ext>
+  </p:extLst>
 </p:presentation>
 </file>
 
@@ -254,7 +259,7 @@
           <a:p>
             <a:fld id="{C01AE930-BF34-4144-89DB-3103FABC9889}" type="datetimeFigureOut">
               <a:rPr lang="en-US" smtClean="0"/>
-              <a:t>6/27/2023</a:t>
+              <a:t>6/28/2023</a:t>
             </a:fld>
             <a:endParaRPr lang="en-US"/>
           </a:p>
@@ -452,7 +457,7 @@
           <a:p>
             <a:fld id="{C01AE930-BF34-4144-89DB-3103FABC9889}" type="datetimeFigureOut">
               <a:rPr lang="en-US" smtClean="0"/>
-              <a:t>6/27/2023</a:t>
+              <a:t>6/28/2023</a:t>
             </a:fld>
             <a:endParaRPr lang="en-US"/>
           </a:p>
@@ -660,7 +665,7 @@
           <a:p>
             <a:fld id="{C01AE930-BF34-4144-89DB-3103FABC9889}" type="datetimeFigureOut">
               <a:rPr lang="en-US" smtClean="0"/>
-              <a:t>6/27/2023</a:t>
+              <a:t>6/28/2023</a:t>
             </a:fld>
             <a:endParaRPr lang="en-US"/>
           </a:p>
@@ -858,7 +863,7 @@
           <a:p>
             <a:fld id="{C01AE930-BF34-4144-89DB-3103FABC9889}" type="datetimeFigureOut">
               <a:rPr lang="en-US" smtClean="0"/>
-              <a:t>6/27/2023</a:t>
+              <a:t>6/28/2023</a:t>
             </a:fld>
             <a:endParaRPr lang="en-US"/>
           </a:p>
@@ -1133,7 +1138,7 @@
           <a:p>
             <a:fld id="{C01AE930-BF34-4144-89DB-3103FABC9889}" type="datetimeFigureOut">
               <a:rPr lang="en-US" smtClean="0"/>
-              <a:t>6/27/2023</a:t>
+              <a:t>6/28/2023</a:t>
             </a:fld>
             <a:endParaRPr lang="en-US"/>
           </a:p>
@@ -1398,7 +1403,7 @@
           <a:p>
             <a:fld id="{C01AE930-BF34-4144-89DB-3103FABC9889}" type="datetimeFigureOut">
               <a:rPr lang="en-US" smtClean="0"/>
-              <a:t>6/27/2023</a:t>
+              <a:t>6/28/2023</a:t>
             </a:fld>
             <a:endParaRPr lang="en-US"/>
           </a:p>
@@ -1810,7 +1815,7 @@
           <a:p>
             <a:fld id="{C01AE930-BF34-4144-89DB-3103FABC9889}" type="datetimeFigureOut">
               <a:rPr lang="en-US" smtClean="0"/>
-              <a:t>6/27/2023</a:t>
+              <a:t>6/28/2023</a:t>
             </a:fld>
             <a:endParaRPr lang="en-US"/>
           </a:p>
@@ -1951,7 +1956,7 @@
           <a:p>
             <a:fld id="{C01AE930-BF34-4144-89DB-3103FABC9889}" type="datetimeFigureOut">
               <a:rPr lang="en-US" smtClean="0"/>
-              <a:t>6/27/2023</a:t>
+              <a:t>6/28/2023</a:t>
             </a:fld>
             <a:endParaRPr lang="en-US"/>
           </a:p>
@@ -2064,7 +2069,7 @@
           <a:p>
             <a:fld id="{C01AE930-BF34-4144-89DB-3103FABC9889}" type="datetimeFigureOut">
               <a:rPr lang="en-US" smtClean="0"/>
-              <a:t>6/27/2023</a:t>
+              <a:t>6/28/2023</a:t>
             </a:fld>
             <a:endParaRPr lang="en-US"/>
           </a:p>
@@ -2375,7 +2380,7 @@
           <a:p>
             <a:fld id="{C01AE930-BF34-4144-89DB-3103FABC9889}" type="datetimeFigureOut">
               <a:rPr lang="en-US" smtClean="0"/>
-              <a:t>6/27/2023</a:t>
+              <a:t>6/28/2023</a:t>
             </a:fld>
             <a:endParaRPr lang="en-US"/>
           </a:p>
@@ -2663,7 +2668,7 @@
           <a:p>
             <a:fld id="{C01AE930-BF34-4144-89DB-3103FABC9889}" type="datetimeFigureOut">
               <a:rPr lang="en-US" smtClean="0"/>
-              <a:t>6/27/2023</a:t>
+              <a:t>6/28/2023</a:t>
             </a:fld>
             <a:endParaRPr lang="en-US"/>
           </a:p>
@@ -2904,7 +2909,7 @@
           <a:p>
             <a:fld id="{C01AE930-BF34-4144-89DB-3103FABC9889}" type="datetimeFigureOut">
               <a:rPr lang="en-US" smtClean="0"/>
-              <a:t>6/27/2023</a:t>
+              <a:t>6/28/2023</a:t>
             </a:fld>
             <a:endParaRPr lang="en-US"/>
           </a:p>
@@ -3343,7 +3348,7 @@
         </p:nvSpPr>
         <p:spPr>
           <a:xfrm>
-            <a:off x="3923116" y="2174815"/>
+            <a:off x="3926083" y="2171508"/>
             <a:ext cx="2592569" cy="338619"/>
           </a:xfrm>
           <a:prstGeom prst="roundRect">
@@ -3402,7 +3407,7 @@
         </p:nvSpPr>
         <p:spPr>
           <a:xfrm>
-            <a:off x="6935938" y="3594547"/>
+            <a:off x="6915876" y="4767739"/>
             <a:ext cx="2531335" cy="338619"/>
           </a:xfrm>
           <a:prstGeom prst="roundRect">
@@ -3461,7 +3466,7 @@
         </p:nvSpPr>
         <p:spPr>
           <a:xfrm>
-            <a:off x="6972886" y="2910304"/>
+            <a:off x="6975853" y="3459612"/>
             <a:ext cx="1182823" cy="338619"/>
           </a:xfrm>
           <a:prstGeom prst="roundRect">
@@ -3520,7 +3525,7 @@
         </p:nvSpPr>
         <p:spPr>
           <a:xfrm>
-            <a:off x="3923116" y="2901979"/>
+            <a:off x="3926083" y="3451287"/>
             <a:ext cx="2043575" cy="338619"/>
           </a:xfrm>
           <a:prstGeom prst="roundRect">
@@ -3579,7 +3584,7 @@
         </p:nvSpPr>
         <p:spPr>
           <a:xfrm>
-            <a:off x="6972885" y="2185194"/>
+            <a:off x="6975852" y="2181887"/>
             <a:ext cx="1108933" cy="338619"/>
           </a:xfrm>
           <a:prstGeom prst="roundRect">
@@ -3638,7 +3643,7 @@
         </p:nvSpPr>
         <p:spPr>
           <a:xfrm>
-            <a:off x="3951990" y="3617403"/>
+            <a:off x="3931928" y="4790595"/>
             <a:ext cx="2043575" cy="338619"/>
           </a:xfrm>
           <a:prstGeom prst="roundRect">
@@ -3697,7 +3702,7 @@
         </p:nvSpPr>
         <p:spPr>
           <a:xfrm flipV="1">
-            <a:off x="3554718" y="2185194"/>
+            <a:off x="3557685" y="2181887"/>
             <a:ext cx="280918" cy="239464"/>
           </a:xfrm>
           <a:prstGeom prst="rect">
@@ -3760,7 +3765,7 @@
         </p:blipFill>
         <p:spPr>
           <a:xfrm>
-            <a:off x="3605867" y="2218560"/>
+            <a:off x="3608834" y="2215253"/>
             <a:ext cx="172732" cy="172732"/>
           </a:xfrm>
           <a:prstGeom prst="rect">
@@ -3782,7 +3787,7 @@
         </p:nvSpPr>
         <p:spPr>
           <a:xfrm flipV="1">
-            <a:off x="3569603" y="3684878"/>
+            <a:off x="3549541" y="4858070"/>
             <a:ext cx="280918" cy="239464"/>
           </a:xfrm>
           <a:prstGeom prst="rect">
@@ -3845,7 +3850,7 @@
         </p:blipFill>
         <p:spPr>
           <a:xfrm>
-            <a:off x="3620752" y="3718244"/>
+            <a:off x="3600690" y="4891436"/>
             <a:ext cx="172732" cy="172732"/>
           </a:xfrm>
           <a:prstGeom prst="rect">
@@ -3867,7 +3872,7 @@
         </p:nvSpPr>
         <p:spPr>
           <a:xfrm flipV="1">
-            <a:off x="3554718" y="2937474"/>
+            <a:off x="3557685" y="3486782"/>
             <a:ext cx="280918" cy="239464"/>
           </a:xfrm>
           <a:prstGeom prst="rect">
@@ -3930,7 +3935,7 @@
         </p:blipFill>
         <p:spPr>
           <a:xfrm>
-            <a:off x="3605867" y="2970840"/>
+            <a:off x="3608834" y="3520148"/>
             <a:ext cx="172732" cy="172732"/>
           </a:xfrm>
           <a:prstGeom prst="rect">
@@ -3952,7 +3957,7 @@
         </p:nvSpPr>
         <p:spPr>
           <a:xfrm flipV="1">
-            <a:off x="6603165" y="2221560"/>
+            <a:off x="6606132" y="2218253"/>
             <a:ext cx="280918" cy="239464"/>
           </a:xfrm>
           <a:prstGeom prst="rect">
@@ -4015,7 +4020,7 @@
         </p:blipFill>
         <p:spPr>
           <a:xfrm>
-            <a:off x="6654314" y="2254926"/>
+            <a:off x="6657281" y="2251619"/>
             <a:ext cx="172732" cy="172732"/>
           </a:xfrm>
           <a:prstGeom prst="rect">
@@ -4037,7 +4042,7 @@
         </p:nvSpPr>
         <p:spPr>
           <a:xfrm flipV="1">
-            <a:off x="6603165" y="2970840"/>
+            <a:off x="6606132" y="3520148"/>
             <a:ext cx="280918" cy="239464"/>
           </a:xfrm>
           <a:prstGeom prst="rect">
@@ -4100,7 +4105,7 @@
         </p:blipFill>
         <p:spPr>
           <a:xfrm>
-            <a:off x="6654314" y="3004206"/>
+            <a:off x="6657281" y="3553514"/>
             <a:ext cx="172732" cy="172732"/>
           </a:xfrm>
           <a:prstGeom prst="rect">
@@ -4122,7 +4127,7 @@
         </p:nvSpPr>
         <p:spPr>
           <a:xfrm flipV="1">
-            <a:off x="6603165" y="3651512"/>
+            <a:off x="6583103" y="4824704"/>
             <a:ext cx="280918" cy="239464"/>
           </a:xfrm>
           <a:prstGeom prst="rect">
@@ -4185,7 +4190,7 @@
         </p:blipFill>
         <p:spPr>
           <a:xfrm>
-            <a:off x="6654314" y="3684878"/>
+            <a:off x="6634252" y="4858070"/>
             <a:ext cx="172732" cy="172732"/>
           </a:xfrm>
           <a:prstGeom prst="rect">
